--- a/Beadandó - Császár András.pptx
+++ b/Beadandó - Császár András.pptx
@@ -248,7 +248,7 @@
           <a:p>
             <a:fld id="{63F810B6-FA9B-405C-88BA-B8ABB46C2715}" type="datetimeFigureOut">
               <a:rPr lang="hu-HU" smtClean="0"/>
-              <a:t>2022.09.12.</a:t>
+              <a:t>2022.09.13.</a:t>
             </a:fld>
             <a:endParaRPr lang="hu-HU"/>
           </a:p>
@@ -418,7 +418,7 @@
           <a:p>
             <a:fld id="{63F810B6-FA9B-405C-88BA-B8ABB46C2715}" type="datetimeFigureOut">
               <a:rPr lang="hu-HU" smtClean="0"/>
-              <a:t>2022.09.12.</a:t>
+              <a:t>2022.09.13.</a:t>
             </a:fld>
             <a:endParaRPr lang="hu-HU"/>
           </a:p>
@@ -598,7 +598,7 @@
           <a:p>
             <a:fld id="{63F810B6-FA9B-405C-88BA-B8ABB46C2715}" type="datetimeFigureOut">
               <a:rPr lang="hu-HU" smtClean="0"/>
-              <a:t>2022.09.12.</a:t>
+              <a:t>2022.09.13.</a:t>
             </a:fld>
             <a:endParaRPr lang="hu-HU"/>
           </a:p>
@@ -768,7 +768,7 @@
           <a:p>
             <a:fld id="{63F810B6-FA9B-405C-88BA-B8ABB46C2715}" type="datetimeFigureOut">
               <a:rPr lang="hu-HU" smtClean="0"/>
-              <a:t>2022.09.12.</a:t>
+              <a:t>2022.09.13.</a:t>
             </a:fld>
             <a:endParaRPr lang="hu-HU"/>
           </a:p>
@@ -1014,7 +1014,7 @@
           <a:p>
             <a:fld id="{63F810B6-FA9B-405C-88BA-B8ABB46C2715}" type="datetimeFigureOut">
               <a:rPr lang="hu-HU" smtClean="0"/>
-              <a:t>2022.09.12.</a:t>
+              <a:t>2022.09.13.</a:t>
             </a:fld>
             <a:endParaRPr lang="hu-HU"/>
           </a:p>
@@ -1246,7 +1246,7 @@
           <a:p>
             <a:fld id="{63F810B6-FA9B-405C-88BA-B8ABB46C2715}" type="datetimeFigureOut">
               <a:rPr lang="hu-HU" smtClean="0"/>
-              <a:t>2022.09.12.</a:t>
+              <a:t>2022.09.13.</a:t>
             </a:fld>
             <a:endParaRPr lang="hu-HU"/>
           </a:p>
@@ -1613,7 +1613,7 @@
           <a:p>
             <a:fld id="{63F810B6-FA9B-405C-88BA-B8ABB46C2715}" type="datetimeFigureOut">
               <a:rPr lang="hu-HU" smtClean="0"/>
-              <a:t>2022.09.12.</a:t>
+              <a:t>2022.09.13.</a:t>
             </a:fld>
             <a:endParaRPr lang="hu-HU"/>
           </a:p>
@@ -1731,7 +1731,7 @@
           <a:p>
             <a:fld id="{63F810B6-FA9B-405C-88BA-B8ABB46C2715}" type="datetimeFigureOut">
               <a:rPr lang="hu-HU" smtClean="0"/>
-              <a:t>2022.09.12.</a:t>
+              <a:t>2022.09.13.</a:t>
             </a:fld>
             <a:endParaRPr lang="hu-HU"/>
           </a:p>
@@ -1826,7 +1826,7 @@
           <a:p>
             <a:fld id="{63F810B6-FA9B-405C-88BA-B8ABB46C2715}" type="datetimeFigureOut">
               <a:rPr lang="hu-HU" smtClean="0"/>
-              <a:t>2022.09.12.</a:t>
+              <a:t>2022.09.13.</a:t>
             </a:fld>
             <a:endParaRPr lang="hu-HU"/>
           </a:p>
@@ -2103,7 +2103,7 @@
           <a:p>
             <a:fld id="{63F810B6-FA9B-405C-88BA-B8ABB46C2715}" type="datetimeFigureOut">
               <a:rPr lang="hu-HU" smtClean="0"/>
-              <a:t>2022.09.12.</a:t>
+              <a:t>2022.09.13.</a:t>
             </a:fld>
             <a:endParaRPr lang="hu-HU"/>
           </a:p>
@@ -2360,7 +2360,7 @@
           <a:p>
             <a:fld id="{63F810B6-FA9B-405C-88BA-B8ABB46C2715}" type="datetimeFigureOut">
               <a:rPr lang="hu-HU" smtClean="0"/>
-              <a:t>2022.09.12.</a:t>
+              <a:t>2022.09.13.</a:t>
             </a:fld>
             <a:endParaRPr lang="hu-HU"/>
           </a:p>
@@ -2573,7 +2573,7 @@
           <a:p>
             <a:fld id="{63F810B6-FA9B-405C-88BA-B8ABB46C2715}" type="datetimeFigureOut">
               <a:rPr lang="hu-HU" smtClean="0"/>
-              <a:t>2022.09.12.</a:t>
+              <a:t>2022.09.13.</a:t>
             </a:fld>
             <a:endParaRPr lang="hu-HU"/>
           </a:p>
@@ -3116,9 +3116,15 @@
   <p:cSld>
     <p:bg>
       <p:bgPr>
-        <a:solidFill>
-          <a:srgbClr val="6D6875"/>
-        </a:solidFill>
+        <a:blipFill dpi="0" rotWithShape="1">
+          <a:blip r:embed="rId2">
+            <a:lum/>
+          </a:blip>
+          <a:srcRect/>
+          <a:stretch>
+            <a:fillRect/>
+          </a:stretch>
+        </a:blipFill>
         <a:effectLst/>
       </p:bgPr>
     </p:bg>
@@ -3136,6 +3142,117 @@
           <a:chExt cx="0" cy="0"/>
         </a:xfrm>
       </p:grpSpPr>
+      <p:sp>
+        <p:nvSpPr>
+          <p:cNvPr id="6" name="Cím 5"/>
+          <p:cNvSpPr>
+            <a:spLocks noGrp="1"/>
+          </p:cNvSpPr>
+          <p:nvPr>
+            <p:ph type="title"/>
+          </p:nvPr>
+        </p:nvSpPr>
+        <p:spPr>
+          <a:xfrm>
+            <a:off x="3529693" y="415637"/>
+            <a:ext cx="5132614" cy="1061296"/>
+          </a:xfrm>
+        </p:spPr>
+        <p:txBody>
+          <a:bodyPr>
+            <a:noAutofit/>
+          </a:bodyPr>
+          <a:lstStyle/>
+          <a:p>
+            <a:pPr algn="ctr"/>
+            <a:r>
+              <a:rPr lang="en-US" sz="6000" b="1" dirty="0" err="1" smtClean="0">
+                <a:solidFill>
+                  <a:schemeClr val="bg1"/>
+                </a:solidFill>
+                <a:latin typeface="+mn-lt"/>
+              </a:rPr>
+              <a:t>Mi</a:t>
+            </a:r>
+            <a:r>
+              <a:rPr lang="en-US" sz="6000" b="1" dirty="0" smtClean="0">
+                <a:solidFill>
+                  <a:schemeClr val="bg1"/>
+                </a:solidFill>
+                <a:latin typeface="+mn-lt"/>
+              </a:rPr>
+              <a:t> a rust?</a:t>
+            </a:r>
+            <a:endParaRPr lang="hu-HU" sz="6000" b="1" dirty="0">
+              <a:solidFill>
+                <a:schemeClr val="bg1"/>
+              </a:solidFill>
+              <a:latin typeface="+mn-lt"/>
+            </a:endParaRPr>
+          </a:p>
+        </p:txBody>
+      </p:sp>
+      <p:sp>
+        <p:nvSpPr>
+          <p:cNvPr id="7" name="Tartalom helye 6"/>
+          <p:cNvSpPr>
+            <a:spLocks noGrp="1"/>
+          </p:cNvSpPr>
+          <p:nvPr>
+            <p:ph idx="1"/>
+          </p:nvPr>
+        </p:nvSpPr>
+        <p:spPr/>
+        <p:txBody>
+          <a:bodyPr>
+            <a:normAutofit/>
+          </a:bodyPr>
+          <a:lstStyle/>
+          <a:p>
+            <a:r>
+              <a:rPr lang="hu-HU" sz="3600" dirty="0" smtClean="0">
+                <a:solidFill>
+                  <a:schemeClr val="bg1"/>
+                </a:solidFill>
+              </a:rPr>
+              <a:t>Fordított</a:t>
+            </a:r>
+          </a:p>
+          <a:p>
+            <a:r>
+              <a:rPr lang="hu-HU" sz="3600" dirty="0" smtClean="0">
+                <a:solidFill>
+                  <a:schemeClr val="bg1"/>
+                </a:solidFill>
+              </a:rPr>
+              <a:t>Multiparadigmatikus</a:t>
+            </a:r>
+          </a:p>
+          <a:p>
+            <a:r>
+              <a:rPr lang="hu-HU" sz="3600" dirty="0" smtClean="0">
+                <a:solidFill>
+                  <a:schemeClr val="bg1"/>
+                </a:solidFill>
+              </a:rPr>
+              <a:t>Biztonságos, </a:t>
+            </a:r>
+            <a:r>
+              <a:rPr lang="hu-HU" sz="3600" i="1" dirty="0" smtClean="0">
+                <a:solidFill>
+                  <a:schemeClr val="bg1"/>
+                </a:solidFill>
+              </a:rPr>
+              <a:t>stabil és gyors</a:t>
+            </a:r>
+            <a:endParaRPr lang="hu-HU" sz="3600" i="1" dirty="0">
+              <a:solidFill>
+                <a:schemeClr val="bg1"/>
+              </a:solidFill>
+            </a:endParaRPr>
+          </a:p>
+        </p:txBody>
+      </p:sp>
     </p:spTree>
     <p:extLst>
       <p:ext uri="{BB962C8B-B14F-4D97-AF65-F5344CB8AC3E}">
@@ -3191,6 +3308,13 @@
   <p:clrMapOvr>
     <a:masterClrMapping/>
   </p:clrMapOvr>
+  <p:timing>
+    <p:tnLst>
+      <p:par>
+        <p:cTn id="1" dur="indefinite" restart="never" nodeType="tmRoot"/>
+      </p:par>
+    </p:tnLst>
+  </p:timing>
 </p:sld>
 </file>
 

--- a/Beadandó - Császár András.pptx
+++ b/Beadandó - Császár András.pptx
@@ -7,7 +7,7 @@
   <p:sldIdLst>
     <p:sldId id="256" r:id="rId2"/>
     <p:sldId id="257" r:id="rId3"/>
-    <p:sldId id="258" r:id="rId4"/>
+    <p:sldId id="262" r:id="rId4"/>
     <p:sldId id="259" r:id="rId5"/>
     <p:sldId id="260" r:id="rId6"/>
     <p:sldId id="261" r:id="rId7"/>
@@ -248,7 +248,7 @@
           <a:p>
             <a:fld id="{63F810B6-FA9B-405C-88BA-B8ABB46C2715}" type="datetimeFigureOut">
               <a:rPr lang="hu-HU" smtClean="0"/>
-              <a:t>2022.09.13.</a:t>
+              <a:t>2022.09.15.</a:t>
             </a:fld>
             <a:endParaRPr lang="hu-HU"/>
           </a:p>
@@ -418,7 +418,7 @@
           <a:p>
             <a:fld id="{63F810B6-FA9B-405C-88BA-B8ABB46C2715}" type="datetimeFigureOut">
               <a:rPr lang="hu-HU" smtClean="0"/>
-              <a:t>2022.09.13.</a:t>
+              <a:t>2022.09.15.</a:t>
             </a:fld>
             <a:endParaRPr lang="hu-HU"/>
           </a:p>
@@ -598,7 +598,7 @@
           <a:p>
             <a:fld id="{63F810B6-FA9B-405C-88BA-B8ABB46C2715}" type="datetimeFigureOut">
               <a:rPr lang="hu-HU" smtClean="0"/>
-              <a:t>2022.09.13.</a:t>
+              <a:t>2022.09.15.</a:t>
             </a:fld>
             <a:endParaRPr lang="hu-HU"/>
           </a:p>
@@ -768,7 +768,7 @@
           <a:p>
             <a:fld id="{63F810B6-FA9B-405C-88BA-B8ABB46C2715}" type="datetimeFigureOut">
               <a:rPr lang="hu-HU" smtClean="0"/>
-              <a:t>2022.09.13.</a:t>
+              <a:t>2022.09.15.</a:t>
             </a:fld>
             <a:endParaRPr lang="hu-HU"/>
           </a:p>
@@ -1014,7 +1014,7 @@
           <a:p>
             <a:fld id="{63F810B6-FA9B-405C-88BA-B8ABB46C2715}" type="datetimeFigureOut">
               <a:rPr lang="hu-HU" smtClean="0"/>
-              <a:t>2022.09.13.</a:t>
+              <a:t>2022.09.15.</a:t>
             </a:fld>
             <a:endParaRPr lang="hu-HU"/>
           </a:p>
@@ -1246,7 +1246,7 @@
           <a:p>
             <a:fld id="{63F810B6-FA9B-405C-88BA-B8ABB46C2715}" type="datetimeFigureOut">
               <a:rPr lang="hu-HU" smtClean="0"/>
-              <a:t>2022.09.13.</a:t>
+              <a:t>2022.09.15.</a:t>
             </a:fld>
             <a:endParaRPr lang="hu-HU"/>
           </a:p>
@@ -1613,7 +1613,7 @@
           <a:p>
             <a:fld id="{63F810B6-FA9B-405C-88BA-B8ABB46C2715}" type="datetimeFigureOut">
               <a:rPr lang="hu-HU" smtClean="0"/>
-              <a:t>2022.09.13.</a:t>
+              <a:t>2022.09.15.</a:t>
             </a:fld>
             <a:endParaRPr lang="hu-HU"/>
           </a:p>
@@ -1731,7 +1731,7 @@
           <a:p>
             <a:fld id="{63F810B6-FA9B-405C-88BA-B8ABB46C2715}" type="datetimeFigureOut">
               <a:rPr lang="hu-HU" smtClean="0"/>
-              <a:t>2022.09.13.</a:t>
+              <a:t>2022.09.15.</a:t>
             </a:fld>
             <a:endParaRPr lang="hu-HU"/>
           </a:p>
@@ -1826,7 +1826,7 @@
           <a:p>
             <a:fld id="{63F810B6-FA9B-405C-88BA-B8ABB46C2715}" type="datetimeFigureOut">
               <a:rPr lang="hu-HU" smtClean="0"/>
-              <a:t>2022.09.13.</a:t>
+              <a:t>2022.09.15.</a:t>
             </a:fld>
             <a:endParaRPr lang="hu-HU"/>
           </a:p>
@@ -2103,7 +2103,7 @@
           <a:p>
             <a:fld id="{63F810B6-FA9B-405C-88BA-B8ABB46C2715}" type="datetimeFigureOut">
               <a:rPr lang="hu-HU" smtClean="0"/>
-              <a:t>2022.09.13.</a:t>
+              <a:t>2022.09.15.</a:t>
             </a:fld>
             <a:endParaRPr lang="hu-HU"/>
           </a:p>
@@ -2360,7 +2360,7 @@
           <a:p>
             <a:fld id="{63F810B6-FA9B-405C-88BA-B8ABB46C2715}" type="datetimeFigureOut">
               <a:rPr lang="hu-HU" smtClean="0"/>
-              <a:t>2022.09.13.</a:t>
+              <a:t>2022.09.15.</a:t>
             </a:fld>
             <a:endParaRPr lang="hu-HU"/>
           </a:p>
@@ -2573,7 +2573,7 @@
           <a:p>
             <a:fld id="{63F810B6-FA9B-405C-88BA-B8ABB46C2715}" type="datetimeFigureOut">
               <a:rPr lang="hu-HU" smtClean="0"/>
-              <a:t>2022.09.13.</a:t>
+              <a:t>2022.09.15.</a:t>
             </a:fld>
             <a:endParaRPr lang="hu-HU"/>
           </a:p>
@@ -3215,8 +3215,23 @@
                   <a:schemeClr val="bg1"/>
                 </a:solidFill>
               </a:rPr>
+              <a:t>Programozási nyelv</a:t>
+            </a:r>
+          </a:p>
+          <a:p>
+            <a:r>
+              <a:rPr lang="hu-HU" sz="3600" dirty="0" smtClean="0">
+                <a:solidFill>
+                  <a:schemeClr val="bg1"/>
+                </a:solidFill>
+              </a:rPr>
               <a:t>Fordított</a:t>
             </a:r>
+            <a:endParaRPr lang="hu-HU" sz="3600" dirty="0" smtClean="0">
+              <a:solidFill>
+                <a:schemeClr val="bg1"/>
+              </a:solidFill>
+            </a:endParaRPr>
           </a:p>
           <a:p>
             <a:r>
@@ -3243,13 +3258,16 @@
                   <a:schemeClr val="bg1"/>
                 </a:solidFill>
               </a:rPr>
-              <a:t>stabil és gyors</a:t>
-            </a:r>
-            <a:endParaRPr lang="hu-HU" sz="3600" i="1" dirty="0">
-              <a:solidFill>
-                <a:schemeClr val="bg1"/>
-              </a:solidFill>
-            </a:endParaRPr>
+              <a:t>stabil és </a:t>
+            </a:r>
+            <a:r>
+              <a:rPr lang="hu-HU" sz="3600" i="1" dirty="0" smtClean="0">
+                <a:solidFill>
+                  <a:schemeClr val="bg1"/>
+                </a:solidFill>
+              </a:rPr>
+              <a:t>gyors…</a:t>
+            </a:r>
           </a:p>
         </p:txBody>
       </p:sp>
@@ -3278,9 +3296,15 @@
   <p:cSld>
     <p:bg>
       <p:bgPr>
-        <a:solidFill>
-          <a:srgbClr val="6D6875"/>
-        </a:solidFill>
+        <a:blipFill dpi="0" rotWithShape="1">
+          <a:blip r:embed="rId2">
+            <a:lum/>
+          </a:blip>
+          <a:srcRect/>
+          <a:stretch>
+            <a:fillRect/>
+          </a:stretch>
+        </a:blipFill>
         <a:effectLst/>
       </p:bgPr>
     </p:bg>
@@ -3298,10 +3322,205 @@
           <a:chExt cx="0" cy="0"/>
         </a:xfrm>
       </p:grpSpPr>
+      <p:sp>
+        <p:nvSpPr>
+          <p:cNvPr id="6" name="Cím 5"/>
+          <p:cNvSpPr>
+            <a:spLocks noGrp="1"/>
+          </p:cNvSpPr>
+          <p:nvPr>
+            <p:ph type="title"/>
+          </p:nvPr>
+        </p:nvSpPr>
+        <p:spPr>
+          <a:xfrm>
+            <a:off x="3529693" y="415637"/>
+            <a:ext cx="5132614" cy="1061296"/>
+          </a:xfrm>
+        </p:spPr>
+        <p:txBody>
+          <a:bodyPr>
+            <a:noAutofit/>
+          </a:bodyPr>
+          <a:lstStyle/>
+          <a:p>
+            <a:pPr algn="ctr"/>
+            <a:r>
+              <a:rPr lang="hu-HU" sz="6000" b="1" dirty="0" smtClean="0">
+                <a:solidFill>
+                  <a:schemeClr val="bg1"/>
+                </a:solidFill>
+                <a:latin typeface="+mn-lt"/>
+              </a:rPr>
+              <a:t>Történelem</a:t>
+            </a:r>
+            <a:endParaRPr lang="hu-HU" sz="6000" b="1" dirty="0">
+              <a:solidFill>
+                <a:schemeClr val="bg1"/>
+              </a:solidFill>
+              <a:latin typeface="+mn-lt"/>
+            </a:endParaRPr>
+          </a:p>
+        </p:txBody>
+      </p:sp>
+      <p:sp>
+        <p:nvSpPr>
+          <p:cNvPr id="7" name="Tartalom helye 6"/>
+          <p:cNvSpPr>
+            <a:spLocks noGrp="1"/>
+          </p:cNvSpPr>
+          <p:nvPr>
+            <p:ph idx="1"/>
+          </p:nvPr>
+        </p:nvSpPr>
+        <p:spPr/>
+        <p:txBody>
+          <a:bodyPr>
+            <a:normAutofit/>
+          </a:bodyPr>
+          <a:lstStyle/>
+          <a:p>
+            <a:r>
+              <a:rPr lang="en-US" sz="3600" dirty="0">
+                <a:solidFill>
+                  <a:schemeClr val="bg1"/>
+                </a:solidFill>
+              </a:rPr>
+              <a:t>[</a:t>
+            </a:r>
+            <a:r>
+              <a:rPr lang="hu-HU" sz="3600" dirty="0" smtClean="0">
+                <a:solidFill>
+                  <a:schemeClr val="bg1"/>
+                </a:solidFill>
+              </a:rPr>
+              <a:t>2</a:t>
+            </a:r>
+            <a:r>
+              <a:rPr lang="en-US" sz="3600" dirty="0" smtClean="0">
+                <a:solidFill>
+                  <a:schemeClr val="bg1"/>
+                </a:solidFill>
+              </a:rPr>
+              <a:t>006] </a:t>
+            </a:r>
+            <a:r>
+              <a:rPr lang="hu-HU" sz="3600" dirty="0" err="1" smtClean="0">
+                <a:solidFill>
+                  <a:schemeClr val="bg1"/>
+                </a:solidFill>
+              </a:rPr>
+              <a:t>Graydon</a:t>
+            </a:r>
+            <a:r>
+              <a:rPr lang="hu-HU" sz="3600" dirty="0" smtClean="0">
+                <a:solidFill>
+                  <a:schemeClr val="bg1"/>
+                </a:solidFill>
+              </a:rPr>
+              <a:t> </a:t>
+            </a:r>
+            <a:r>
+              <a:rPr lang="hu-HU" sz="3600" dirty="0" err="1" smtClean="0">
+                <a:solidFill>
+                  <a:schemeClr val="bg1"/>
+                </a:solidFill>
+              </a:rPr>
+              <a:t>Hoare</a:t>
+            </a:r>
+            <a:endParaRPr lang="en-US" sz="3600" dirty="0" smtClean="0">
+              <a:solidFill>
+                <a:schemeClr val="bg1"/>
+              </a:solidFill>
+            </a:endParaRPr>
+          </a:p>
+          <a:p>
+            <a:r>
+              <a:rPr lang="en-US" sz="3600" dirty="0" smtClean="0">
+                <a:solidFill>
+                  <a:schemeClr val="bg1"/>
+                </a:solidFill>
+              </a:rPr>
+              <a:t>Mell</a:t>
+            </a:r>
+            <a:r>
+              <a:rPr lang="hu-HU" sz="3600" dirty="0" smtClean="0">
+                <a:solidFill>
+                  <a:schemeClr val="bg1"/>
+                </a:solidFill>
+              </a:rPr>
+              <a:t>ékprojekt</a:t>
+            </a:r>
+          </a:p>
+          <a:p>
+            <a:r>
+              <a:rPr lang="hu-HU" sz="3600" dirty="0" err="1" smtClean="0">
+                <a:solidFill>
+                  <a:schemeClr val="bg1"/>
+                </a:solidFill>
+              </a:rPr>
+              <a:t>Mozilla</a:t>
+            </a:r>
+            <a:r>
+              <a:rPr lang="hu-HU" sz="3600" smtClean="0">
+                <a:solidFill>
+                  <a:schemeClr val="bg1"/>
+                </a:solidFill>
+              </a:rPr>
+              <a:t> szponzor</a:t>
+            </a:r>
+            <a:endParaRPr lang="hu-HU" sz="3600" dirty="0" smtClean="0">
+              <a:solidFill>
+                <a:schemeClr val="bg1"/>
+              </a:solidFill>
+            </a:endParaRPr>
+          </a:p>
+        </p:txBody>
+      </p:sp>
+      <p:pic>
+        <p:nvPicPr>
+          <p:cNvPr id="12" name="Kép 11"/>
+          <p:cNvPicPr>
+            <a:picLocks noChangeAspect="1"/>
+          </p:cNvPicPr>
+          <p:nvPr/>
+        </p:nvPicPr>
+        <p:blipFill>
+          <a:blip r:embed="rId3">
+            <a:extLst>
+              <a:ext uri="{28A0092B-C50C-407E-A947-70E740481C1C}">
+                <a14:useLocalDpi xmlns:a14="http://schemas.microsoft.com/office/drawing/2010/main" val="0"/>
+              </a:ext>
+            </a:extLst>
+          </a:blip>
+          <a:stretch>
+            <a:fillRect/>
+          </a:stretch>
+        </p:blipFill>
+        <p:spPr>
+          <a:xfrm>
+            <a:off x="5604192" y="1476933"/>
+            <a:ext cx="6116229" cy="2734993"/>
+          </a:xfrm>
+          <a:prstGeom prst="rect">
+            <a:avLst/>
+          </a:prstGeom>
+          <a:ln>
+            <a:noFill/>
+          </a:ln>
+          <a:effectLst>
+            <a:outerShdw blurRad="292100" dist="139700" dir="2700000" algn="tl" rotWithShape="0">
+              <a:srgbClr val="333333">
+                <a:alpha val="65000"/>
+              </a:srgbClr>
+            </a:outerShdw>
+          </a:effectLst>
+        </p:spPr>
+      </p:pic>
     </p:spTree>
     <p:extLst>
       <p:ext uri="{BB962C8B-B14F-4D97-AF65-F5344CB8AC3E}">
-        <p14:creationId xmlns:p14="http://schemas.microsoft.com/office/powerpoint/2010/main" val="1727730259"/>
+        <p14:creationId xmlns:p14="http://schemas.microsoft.com/office/powerpoint/2010/main" val="318606607"/>
       </p:ext>
     </p:extLst>
   </p:cSld>

--- a/Beadandó - Császár András.pptx
+++ b/Beadandó - Császár András.pptx
@@ -117,6 +117,1085 @@
 </p:presentation>
 </file>
 
+<file path=ppt/charts/chart1.xml><?xml version="1.0" encoding="utf-8"?>
+<c:chartSpace xmlns:c="http://schemas.openxmlformats.org/drawingml/2006/chart" xmlns:a="http://schemas.openxmlformats.org/drawingml/2006/main" xmlns:r="http://schemas.openxmlformats.org/officeDocument/2006/relationships" xmlns:c16r2="http://schemas.microsoft.com/office/drawing/2015/06/chart">
+  <c:date1904 val="0"/>
+  <c:lang val="hu-HU"/>
+  <c:roundedCorners val="0"/>
+  <mc:AlternateContent xmlns:mc="http://schemas.openxmlformats.org/markup-compatibility/2006">
+    <mc:Choice xmlns:c14="http://schemas.microsoft.com/office/drawing/2007/8/2/chart" Requires="c14">
+      <c14:style val="101"/>
+    </mc:Choice>
+    <mc:Fallback>
+      <c:style val="1"/>
+    </mc:Fallback>
+  </mc:AlternateContent>
+  <c:chart>
+    <c:title>
+      <c:tx>
+        <c:rich>
+          <a:bodyPr rot="0" spcFirstLastPara="1" vertOverflow="ellipsis" vert="horz" wrap="square" anchor="ctr" anchorCtr="1"/>
+          <a:lstStyle/>
+          <a:p>
+            <a:pPr>
+              <a:defRPr sz="3200" b="0" i="0" u="none" strike="noStrike" kern="1200" spc="0" baseline="0">
+                <a:solidFill>
+                  <a:schemeClr val="tx1">
+                    <a:lumMod val="65000"/>
+                    <a:lumOff val="35000"/>
+                  </a:schemeClr>
+                </a:solidFill>
+                <a:latin typeface="+mn-lt"/>
+                <a:ea typeface="+mn-ea"/>
+                <a:cs typeface="+mn-cs"/>
+              </a:defRPr>
+            </a:pPr>
+            <a:r>
+              <a:rPr lang="hu-HU" sz="3200" b="1" dirty="0" smtClean="0">
+                <a:solidFill>
+                  <a:schemeClr val="bg1"/>
+                </a:solidFill>
+                <a:latin typeface="+mn-lt"/>
+              </a:rPr>
+              <a:t>2021</a:t>
+            </a:r>
+            <a:r>
+              <a:rPr lang="hu-HU" sz="3200" b="1" baseline="0" dirty="0" smtClean="0">
+                <a:solidFill>
+                  <a:schemeClr val="bg1"/>
+                </a:solidFill>
+                <a:latin typeface="+mn-lt"/>
+              </a:rPr>
+              <a:t> Legkedveltebb Programozási nyelvei</a:t>
+            </a:r>
+            <a:endParaRPr lang="hu-HU" sz="3200" b="1" dirty="0">
+              <a:solidFill>
+                <a:schemeClr val="bg1"/>
+              </a:solidFill>
+              <a:latin typeface="+mn-lt"/>
+            </a:endParaRPr>
+          </a:p>
+        </c:rich>
+      </c:tx>
+      <c:layout/>
+      <c:overlay val="0"/>
+      <c:spPr>
+        <a:noFill/>
+        <a:ln>
+          <a:noFill/>
+        </a:ln>
+        <a:effectLst/>
+      </c:spPr>
+      <c:txPr>
+        <a:bodyPr rot="0" spcFirstLastPara="1" vertOverflow="ellipsis" vert="horz" wrap="square" anchor="ctr" anchorCtr="1"/>
+        <a:lstStyle/>
+        <a:p>
+          <a:pPr>
+            <a:defRPr sz="3200" b="0" i="0" u="none" strike="noStrike" kern="1200" spc="0" baseline="0">
+              <a:solidFill>
+                <a:schemeClr val="tx1">
+                  <a:lumMod val="65000"/>
+                  <a:lumOff val="35000"/>
+                </a:schemeClr>
+              </a:solidFill>
+              <a:latin typeface="+mn-lt"/>
+              <a:ea typeface="+mn-ea"/>
+              <a:cs typeface="+mn-cs"/>
+            </a:defRPr>
+          </a:pPr>
+          <a:endParaRPr lang="hu-HU"/>
+        </a:p>
+      </c:txPr>
+    </c:title>
+    <c:autoTitleDeleted val="0"/>
+    <c:view3D>
+      <c:rotX val="15"/>
+      <c:rotY val="20"/>
+      <c:depthPercent val="100"/>
+      <c:rAngAx val="1"/>
+    </c:view3D>
+    <c:floor>
+      <c:thickness val="0"/>
+      <c:spPr>
+        <a:noFill/>
+        <a:ln>
+          <a:noFill/>
+        </a:ln>
+        <a:effectLst/>
+        <a:sp3d/>
+      </c:spPr>
+    </c:floor>
+    <c:sideWall>
+      <c:thickness val="0"/>
+      <c:spPr>
+        <a:noFill/>
+        <a:ln>
+          <a:noFill/>
+        </a:ln>
+        <a:effectLst/>
+        <a:sp3d/>
+      </c:spPr>
+    </c:sideWall>
+    <c:backWall>
+      <c:thickness val="0"/>
+      <c:spPr>
+        <a:noFill/>
+        <a:ln>
+          <a:noFill/>
+        </a:ln>
+        <a:effectLst/>
+        <a:sp3d/>
+      </c:spPr>
+    </c:backWall>
+    <c:plotArea>
+      <c:layout/>
+      <c:bar3DChart>
+        <c:barDir val="bar"/>
+        <c:grouping val="percentStacked"/>
+        <c:varyColors val="0"/>
+        <c:ser>
+          <c:idx val="0"/>
+          <c:order val="0"/>
+          <c:tx>
+            <c:strRef>
+              <c:f>Munka1!$B$1</c:f>
+              <c:strCache>
+                <c:ptCount val="1"/>
+                <c:pt idx="0">
+                  <c:v>Imádom</c:v>
+                </c:pt>
+              </c:strCache>
+            </c:strRef>
+          </c:tx>
+          <c:spPr>
+            <a:solidFill>
+              <a:srgbClr val="FFCDB2"/>
+            </a:solidFill>
+            <a:ln>
+              <a:noFill/>
+            </a:ln>
+            <a:effectLst/>
+            <a:sp3d/>
+          </c:spPr>
+          <c:invertIfNegative val="0"/>
+          <c:dPt>
+            <c:idx val="3"/>
+            <c:invertIfNegative val="0"/>
+            <c:bubble3D val="0"/>
+            <c:spPr>
+              <a:solidFill>
+                <a:srgbClr val="FFCDB2"/>
+              </a:solidFill>
+              <a:ln>
+                <a:noFill/>
+              </a:ln>
+              <a:effectLst/>
+              <a:sp3d/>
+            </c:spPr>
+            <c:extLst>
+              <c:ext xmlns:c16="http://schemas.microsoft.com/office/drawing/2014/chart" uri="{C3380CC4-5D6E-409C-BE32-E72D297353CC}">
+                <c16:uniqueId val="{00000003-2D94-4466-A092-C9B6BB94E10C}"/>
+              </c:ext>
+            </c:extLst>
+          </c:dPt>
+          <c:dLbls>
+            <c:spPr>
+              <a:noFill/>
+              <a:ln>
+                <a:noFill/>
+              </a:ln>
+              <a:effectLst/>
+            </c:spPr>
+            <c:txPr>
+              <a:bodyPr rot="0" spcFirstLastPara="1" vertOverflow="ellipsis" vert="horz" wrap="square" lIns="38100" tIns="19050" rIns="38100" bIns="19050" anchor="ctr" anchorCtr="0">
+                <a:spAutoFit/>
+              </a:bodyPr>
+              <a:lstStyle/>
+              <a:p>
+                <a:pPr>
+                  <a:defRPr sz="1400" b="1" i="0" u="none" strike="noStrike" kern="1200" baseline="0">
+                    <a:solidFill>
+                      <a:srgbClr val="606060"/>
+                    </a:solidFill>
+                    <a:effectLst/>
+                    <a:latin typeface="+mn-lt"/>
+                    <a:ea typeface="+mn-ea"/>
+                    <a:cs typeface="+mn-cs"/>
+                  </a:defRPr>
+                </a:pPr>
+                <a:endParaRPr lang="hu-HU"/>
+              </a:p>
+            </c:txPr>
+            <c:showLegendKey val="0"/>
+            <c:showVal val="1"/>
+            <c:showCatName val="0"/>
+            <c:showSerName val="0"/>
+            <c:showPercent val="0"/>
+            <c:showBubbleSize val="0"/>
+            <c:showLeaderLines val="0"/>
+            <c:extLst>
+              <c:ext xmlns:c15="http://schemas.microsoft.com/office/drawing/2012/chart" uri="{CE6537A1-D6FC-4f65-9D91-7224C49458BB}">
+                <c15:layout/>
+                <c15:showLeaderLines val="1"/>
+                <c15:leaderLines>
+                  <c:spPr>
+                    <a:ln w="9525" cap="flat" cmpd="sng" algn="ctr">
+                      <a:solidFill>
+                        <a:schemeClr val="tx1">
+                          <a:lumMod val="35000"/>
+                          <a:lumOff val="65000"/>
+                        </a:schemeClr>
+                      </a:solidFill>
+                      <a:round/>
+                    </a:ln>
+                    <a:effectLst/>
+                  </c:spPr>
+                </c15:leaderLines>
+              </c:ext>
+            </c:extLst>
+          </c:dLbls>
+          <c:cat>
+            <c:strRef>
+              <c:f>Munka1!$A$2:$A$6</c:f>
+              <c:strCache>
+                <c:ptCount val="5"/>
+                <c:pt idx="0">
+                  <c:v>Julia</c:v>
+                </c:pt>
+                <c:pt idx="1">
+                  <c:v>Elixir</c:v>
+                </c:pt>
+                <c:pt idx="2">
+                  <c:v>Typescript</c:v>
+                </c:pt>
+                <c:pt idx="3">
+                  <c:v>Clojure</c:v>
+                </c:pt>
+                <c:pt idx="4">
+                  <c:v>Rust</c:v>
+                </c:pt>
+              </c:strCache>
+            </c:strRef>
+          </c:cat>
+          <c:val>
+            <c:numRef>
+              <c:f>Munka1!$B$2:$B$6</c:f>
+              <c:numCache>
+                <c:formatCode>0%</c:formatCode>
+                <c:ptCount val="5"/>
+                <c:pt idx="0">
+                  <c:v>0.71</c:v>
+                </c:pt>
+                <c:pt idx="1">
+                  <c:v>0.72</c:v>
+                </c:pt>
+                <c:pt idx="2">
+                  <c:v>0.73</c:v>
+                </c:pt>
+                <c:pt idx="3">
+                  <c:v>0.81</c:v>
+                </c:pt>
+                <c:pt idx="4">
+                  <c:v>0.87</c:v>
+                </c:pt>
+              </c:numCache>
+            </c:numRef>
+          </c:val>
+          <c:extLst>
+            <c:ext xmlns:c16="http://schemas.microsoft.com/office/drawing/2014/chart" uri="{C3380CC4-5D6E-409C-BE32-E72D297353CC}">
+              <c16:uniqueId val="{00000000-2D94-4466-A092-C9B6BB94E10C}"/>
+            </c:ext>
+          </c:extLst>
+        </c:ser>
+        <c:ser>
+          <c:idx val="1"/>
+          <c:order val="1"/>
+          <c:tx>
+            <c:strRef>
+              <c:f>Munka1!$C$1</c:f>
+              <c:strCache>
+                <c:ptCount val="1"/>
+                <c:pt idx="0">
+                  <c:v>Utálom</c:v>
+                </c:pt>
+              </c:strCache>
+            </c:strRef>
+          </c:tx>
+          <c:spPr>
+            <a:solidFill>
+              <a:srgbClr val="B5838D"/>
+            </a:solidFill>
+            <a:ln>
+              <a:noFill/>
+            </a:ln>
+            <a:effectLst/>
+            <a:sp3d/>
+          </c:spPr>
+          <c:invertIfNegative val="0"/>
+          <c:dLbls>
+            <c:spPr>
+              <a:noFill/>
+              <a:ln>
+                <a:noFill/>
+              </a:ln>
+              <a:effectLst/>
+            </c:spPr>
+            <c:txPr>
+              <a:bodyPr rot="0" spcFirstLastPara="1" vertOverflow="ellipsis" vert="horz" wrap="square" lIns="38100" tIns="19050" rIns="38100" bIns="19050" anchor="ctr" anchorCtr="1">
+                <a:spAutoFit/>
+              </a:bodyPr>
+              <a:lstStyle/>
+              <a:p>
+                <a:pPr>
+                  <a:defRPr sz="1197" b="0" i="0" u="none" strike="noStrike" kern="1200" baseline="0">
+                    <a:solidFill>
+                      <a:srgbClr val="B5838D"/>
+                    </a:solidFill>
+                    <a:latin typeface="+mn-lt"/>
+                    <a:ea typeface="+mn-ea"/>
+                    <a:cs typeface="+mn-cs"/>
+                  </a:defRPr>
+                </a:pPr>
+                <a:endParaRPr lang="hu-HU"/>
+              </a:p>
+            </c:txPr>
+            <c:showLegendKey val="0"/>
+            <c:showVal val="1"/>
+            <c:showCatName val="0"/>
+            <c:showSerName val="0"/>
+            <c:showPercent val="0"/>
+            <c:showBubbleSize val="0"/>
+            <c:showLeaderLines val="0"/>
+            <c:extLst>
+              <c:ext xmlns:c15="http://schemas.microsoft.com/office/drawing/2012/chart" uri="{CE6537A1-D6FC-4f65-9D91-7224C49458BB}">
+                <c15:layout/>
+                <c15:showLeaderLines val="1"/>
+                <c15:leaderLines>
+                  <c:spPr>
+                    <a:ln w="9525" cap="flat" cmpd="sng" algn="ctr">
+                      <a:solidFill>
+                        <a:schemeClr val="tx1">
+                          <a:lumMod val="35000"/>
+                          <a:lumOff val="65000"/>
+                        </a:schemeClr>
+                      </a:solidFill>
+                      <a:round/>
+                    </a:ln>
+                    <a:effectLst/>
+                  </c:spPr>
+                </c15:leaderLines>
+              </c:ext>
+            </c:extLst>
+          </c:dLbls>
+          <c:cat>
+            <c:strRef>
+              <c:f>Munka1!$A$2:$A$6</c:f>
+              <c:strCache>
+                <c:ptCount val="5"/>
+                <c:pt idx="0">
+                  <c:v>Julia</c:v>
+                </c:pt>
+                <c:pt idx="1">
+                  <c:v>Elixir</c:v>
+                </c:pt>
+                <c:pt idx="2">
+                  <c:v>Typescript</c:v>
+                </c:pt>
+                <c:pt idx="3">
+                  <c:v>Clojure</c:v>
+                </c:pt>
+                <c:pt idx="4">
+                  <c:v>Rust</c:v>
+                </c:pt>
+              </c:strCache>
+            </c:strRef>
+          </c:cat>
+          <c:val>
+            <c:numRef>
+              <c:f>Munka1!$C$2:$C$6</c:f>
+              <c:numCache>
+                <c:formatCode>0%</c:formatCode>
+                <c:ptCount val="5"/>
+                <c:pt idx="0">
+                  <c:v>0.28999999999999998</c:v>
+                </c:pt>
+                <c:pt idx="1">
+                  <c:v>0.28000000000000003</c:v>
+                </c:pt>
+                <c:pt idx="2">
+                  <c:v>0.27</c:v>
+                </c:pt>
+                <c:pt idx="3">
+                  <c:v>0.19</c:v>
+                </c:pt>
+                <c:pt idx="4">
+                  <c:v>0.13</c:v>
+                </c:pt>
+              </c:numCache>
+            </c:numRef>
+          </c:val>
+          <c:extLst>
+            <c:ext xmlns:c16="http://schemas.microsoft.com/office/drawing/2014/chart" uri="{C3380CC4-5D6E-409C-BE32-E72D297353CC}">
+              <c16:uniqueId val="{00000001-2D94-4466-A092-C9B6BB94E10C}"/>
+            </c:ext>
+          </c:extLst>
+        </c:ser>
+        <c:dLbls>
+          <c:showLegendKey val="0"/>
+          <c:showVal val="1"/>
+          <c:showCatName val="0"/>
+          <c:showSerName val="0"/>
+          <c:showPercent val="0"/>
+          <c:showBubbleSize val="0"/>
+        </c:dLbls>
+        <c:gapWidth val="96"/>
+        <c:shape val="box"/>
+        <c:axId val="285091080"/>
+        <c:axId val="285092392"/>
+        <c:axId val="0"/>
+      </c:bar3DChart>
+      <c:catAx>
+        <c:axId val="285091080"/>
+        <c:scaling>
+          <c:orientation val="minMax"/>
+        </c:scaling>
+        <c:delete val="0"/>
+        <c:axPos val="l"/>
+        <c:numFmt formatCode="General" sourceLinked="1"/>
+        <c:majorTickMark val="out"/>
+        <c:minorTickMark val="none"/>
+        <c:tickLblPos val="nextTo"/>
+        <c:spPr>
+          <a:noFill/>
+          <a:ln>
+            <a:noFill/>
+          </a:ln>
+          <a:effectLst/>
+        </c:spPr>
+        <c:txPr>
+          <a:bodyPr rot="-60000000" spcFirstLastPara="1" vertOverflow="ellipsis" vert="horz" wrap="square" anchor="ctr" anchorCtr="1"/>
+          <a:lstStyle/>
+          <a:p>
+            <a:pPr>
+              <a:defRPr sz="1197" b="1" i="0" u="none" strike="noStrike" kern="1200" baseline="0">
+                <a:solidFill>
+                  <a:schemeClr val="bg1"/>
+                </a:solidFill>
+                <a:latin typeface="+mn-lt"/>
+                <a:ea typeface="+mn-ea"/>
+                <a:cs typeface="+mn-cs"/>
+              </a:defRPr>
+            </a:pPr>
+            <a:endParaRPr lang="hu-HU"/>
+          </a:p>
+        </c:txPr>
+        <c:crossAx val="285092392"/>
+        <c:crosses val="autoZero"/>
+        <c:auto val="1"/>
+        <c:lblAlgn val="ctr"/>
+        <c:lblOffset val="100"/>
+        <c:noMultiLvlLbl val="0"/>
+      </c:catAx>
+      <c:valAx>
+        <c:axId val="285092392"/>
+        <c:scaling>
+          <c:orientation val="minMax"/>
+          <c:min val="0"/>
+        </c:scaling>
+        <c:delete val="0"/>
+        <c:axPos val="b"/>
+        <c:numFmt formatCode="0%" sourceLinked="1"/>
+        <c:majorTickMark val="out"/>
+        <c:minorTickMark val="none"/>
+        <c:tickLblPos val="nextTo"/>
+        <c:spPr>
+          <a:noFill/>
+          <a:ln>
+            <a:noFill/>
+          </a:ln>
+          <a:effectLst/>
+        </c:spPr>
+        <c:txPr>
+          <a:bodyPr rot="-60000000" spcFirstLastPara="1" vertOverflow="ellipsis" vert="horz" wrap="square" anchor="ctr" anchorCtr="1"/>
+          <a:lstStyle/>
+          <a:p>
+            <a:pPr>
+              <a:defRPr sz="1197" b="0" i="0" u="none" strike="noStrike" kern="1200" baseline="0">
+                <a:solidFill>
+                  <a:schemeClr val="bg1">
+                    <a:lumMod val="65000"/>
+                  </a:schemeClr>
+                </a:solidFill>
+                <a:latin typeface="+mn-lt"/>
+                <a:ea typeface="+mn-ea"/>
+                <a:cs typeface="+mn-cs"/>
+              </a:defRPr>
+            </a:pPr>
+            <a:endParaRPr lang="hu-HU"/>
+          </a:p>
+        </c:txPr>
+        <c:crossAx val="285091080"/>
+        <c:crosses val="autoZero"/>
+        <c:crossBetween val="between"/>
+        <c:majorUnit val="0.5"/>
+        <c:minorUnit val="0.1"/>
+      </c:valAx>
+      <c:spPr>
+        <a:noFill/>
+        <a:ln>
+          <a:noFill/>
+        </a:ln>
+        <a:effectLst/>
+      </c:spPr>
+    </c:plotArea>
+    <c:plotVisOnly val="1"/>
+    <c:dispBlanksAs val="gap"/>
+    <c:showDLblsOverMax val="0"/>
+  </c:chart>
+  <c:spPr>
+    <a:noFill/>
+    <a:ln>
+      <a:noFill/>
+    </a:ln>
+    <a:effectLst/>
+  </c:spPr>
+  <c:txPr>
+    <a:bodyPr/>
+    <a:lstStyle/>
+    <a:p>
+      <a:pPr>
+        <a:defRPr/>
+      </a:pPr>
+      <a:endParaRPr lang="hu-HU"/>
+    </a:p>
+  </c:txPr>
+  <c:externalData r:id="rId3">
+    <c:autoUpdate val="0"/>
+  </c:externalData>
+</c:chartSpace>
+</file>
+
+<file path=ppt/charts/colors1.xml><?xml version="1.0" encoding="utf-8"?>
+<cs:colorStyle xmlns:cs="http://schemas.microsoft.com/office/drawing/2012/chartStyle" xmlns:a="http://schemas.openxmlformats.org/drawingml/2006/main" meth="cycle" id="20">
+  <a:schemeClr val="dk1"/>
+  <cs:variation>
+    <a:tint val="88500"/>
+  </cs:variation>
+  <cs:variation>
+    <a:tint val="55000"/>
+  </cs:variation>
+  <cs:variation>
+    <a:tint val="75000"/>
+  </cs:variation>
+  <cs:variation>
+    <a:tint val="98500"/>
+  </cs:variation>
+  <cs:variation>
+    <a:tint val="30000"/>
+  </cs:variation>
+  <cs:variation>
+    <a:tint val="60000"/>
+  </cs:variation>
+  <cs:variation>
+    <a:tint val="80000"/>
+  </cs:variation>
+</cs:colorStyle>
+</file>
+
+<file path=ppt/charts/style1.xml><?xml version="1.0" encoding="utf-8"?>
+<cs:chartStyle xmlns:cs="http://schemas.microsoft.com/office/drawing/2012/chartStyle" xmlns:a="http://schemas.openxmlformats.org/drawingml/2006/main" id="286">
+  <cs:axisTitle>
+    <cs:lnRef idx="0"/>
+    <cs:fillRef idx="0"/>
+    <cs:effectRef idx="0"/>
+    <cs:fontRef idx="minor">
+      <a:schemeClr val="tx1">
+        <a:lumMod val="65000"/>
+        <a:lumOff val="35000"/>
+      </a:schemeClr>
+    </cs:fontRef>
+    <cs:defRPr sz="1330" kern="1200"/>
+  </cs:axisTitle>
+  <cs:categoryAxis>
+    <cs:lnRef idx="0"/>
+    <cs:fillRef idx="0"/>
+    <cs:effectRef idx="0"/>
+    <cs:fontRef idx="minor">
+      <a:schemeClr val="tx1">
+        <a:lumMod val="65000"/>
+        <a:lumOff val="35000"/>
+      </a:schemeClr>
+    </cs:fontRef>
+    <cs:defRPr sz="1197" kern="1200"/>
+  </cs:categoryAxis>
+  <cs:chartArea mods="allowNoFillOverride allowNoLineOverride">
+    <cs:lnRef idx="0"/>
+    <cs:fillRef idx="0"/>
+    <cs:effectRef idx="0"/>
+    <cs:fontRef idx="minor">
+      <a:schemeClr val="tx1"/>
+    </cs:fontRef>
+    <cs:spPr>
+      <a:solidFill>
+        <a:schemeClr val="bg1"/>
+      </a:solidFill>
+      <a:ln w="9525" cap="flat" cmpd="sng" algn="ctr">
+        <a:solidFill>
+          <a:schemeClr val="tx1">
+            <a:lumMod val="15000"/>
+            <a:lumOff val="85000"/>
+          </a:schemeClr>
+        </a:solidFill>
+        <a:round/>
+      </a:ln>
+    </cs:spPr>
+    <cs:defRPr sz="1330" kern="1200"/>
+  </cs:chartArea>
+  <cs:dataLabel>
+    <cs:lnRef idx="0"/>
+    <cs:fillRef idx="0"/>
+    <cs:effectRef idx="0"/>
+    <cs:fontRef idx="minor">
+      <a:schemeClr val="tx1">
+        <a:lumMod val="75000"/>
+        <a:lumOff val="25000"/>
+      </a:schemeClr>
+    </cs:fontRef>
+    <cs:defRPr sz="1197" kern="1200"/>
+  </cs:dataLabel>
+  <cs:dataLabelCallout>
+    <cs:lnRef idx="0"/>
+    <cs:fillRef idx="0"/>
+    <cs:effectRef idx="0"/>
+    <cs:fontRef idx="minor">
+      <a:schemeClr val="dk1">
+        <a:lumMod val="65000"/>
+        <a:lumOff val="35000"/>
+      </a:schemeClr>
+    </cs:fontRef>
+    <cs:spPr>
+      <a:solidFill>
+        <a:schemeClr val="lt1"/>
+      </a:solidFill>
+      <a:ln>
+        <a:solidFill>
+          <a:schemeClr val="dk1">
+            <a:lumMod val="25000"/>
+            <a:lumOff val="75000"/>
+          </a:schemeClr>
+        </a:solidFill>
+      </a:ln>
+    </cs:spPr>
+    <cs:defRPr sz="1197" kern="1200"/>
+    <cs:bodyPr rot="0" spcFirstLastPara="1" vertOverflow="clip" horzOverflow="clip" vert="horz" wrap="square" lIns="36576" tIns="18288" rIns="36576" bIns="18288" anchor="ctr" anchorCtr="1">
+      <a:spAutoFit/>
+    </cs:bodyPr>
+  </cs:dataLabelCallout>
+  <cs:dataPoint>
+    <cs:lnRef idx="0"/>
+    <cs:fillRef idx="1">
+      <cs:styleClr val="auto"/>
+    </cs:fillRef>
+    <cs:effectRef idx="0"/>
+    <cs:fontRef idx="minor">
+      <a:schemeClr val="tx1"/>
+    </cs:fontRef>
+  </cs:dataPoint>
+  <cs:dataPoint3D>
+    <cs:lnRef idx="0"/>
+    <cs:fillRef idx="1">
+      <cs:styleClr val="auto"/>
+    </cs:fillRef>
+    <cs:effectRef idx="0"/>
+    <cs:fontRef idx="minor">
+      <a:schemeClr val="tx1"/>
+    </cs:fontRef>
+  </cs:dataPoint3D>
+  <cs:dataPointLine>
+    <cs:lnRef idx="0">
+      <cs:styleClr val="auto"/>
+    </cs:lnRef>
+    <cs:fillRef idx="1"/>
+    <cs:effectRef idx="0"/>
+    <cs:fontRef idx="minor">
+      <a:schemeClr val="tx1"/>
+    </cs:fontRef>
+    <cs:spPr>
+      <a:ln w="28575" cap="rnd">
+        <a:solidFill>
+          <a:schemeClr val="phClr"/>
+        </a:solidFill>
+        <a:round/>
+      </a:ln>
+    </cs:spPr>
+  </cs:dataPointLine>
+  <cs:dataPointMarker>
+    <cs:lnRef idx="0">
+      <cs:styleClr val="auto"/>
+    </cs:lnRef>
+    <cs:fillRef idx="1">
+      <cs:styleClr val="auto"/>
+    </cs:fillRef>
+    <cs:effectRef idx="0"/>
+    <cs:fontRef idx="minor">
+      <a:schemeClr val="tx1"/>
+    </cs:fontRef>
+    <cs:spPr>
+      <a:ln w="9525">
+        <a:solidFill>
+          <a:schemeClr val="phClr"/>
+        </a:solidFill>
+      </a:ln>
+    </cs:spPr>
+  </cs:dataPointMarker>
+  <cs:dataPointMarkerLayout symbol="circle" size="5"/>
+  <cs:dataPointWireframe>
+    <cs:lnRef idx="0">
+      <cs:styleClr val="auto"/>
+    </cs:lnRef>
+    <cs:fillRef idx="1"/>
+    <cs:effectRef idx="0"/>
+    <cs:fontRef idx="minor">
+      <a:schemeClr val="tx1"/>
+    </cs:fontRef>
+    <cs:spPr>
+      <a:ln w="9525" cap="rnd">
+        <a:solidFill>
+          <a:schemeClr val="phClr"/>
+        </a:solidFill>
+        <a:round/>
+      </a:ln>
+    </cs:spPr>
+  </cs:dataPointWireframe>
+  <cs:dataTable>
+    <cs:lnRef idx="0"/>
+    <cs:fillRef idx="0"/>
+    <cs:effectRef idx="0"/>
+    <cs:fontRef idx="minor">
+      <a:schemeClr val="tx1">
+        <a:lumMod val="65000"/>
+        <a:lumOff val="35000"/>
+      </a:schemeClr>
+    </cs:fontRef>
+    <cs:spPr>
+      <a:noFill/>
+      <a:ln w="9525" cap="flat" cmpd="sng" algn="ctr">
+        <a:solidFill>
+          <a:schemeClr val="tx1">
+            <a:lumMod val="15000"/>
+            <a:lumOff val="85000"/>
+          </a:schemeClr>
+        </a:solidFill>
+        <a:round/>
+      </a:ln>
+    </cs:spPr>
+    <cs:defRPr sz="1197" kern="1200"/>
+  </cs:dataTable>
+  <cs:downBar>
+    <cs:lnRef idx="0"/>
+    <cs:fillRef idx="0"/>
+    <cs:effectRef idx="0"/>
+    <cs:fontRef idx="minor">
+      <a:schemeClr val="tx1"/>
+    </cs:fontRef>
+    <cs:spPr>
+      <a:solidFill>
+        <a:schemeClr val="dk1">
+          <a:lumMod val="75000"/>
+          <a:lumOff val="25000"/>
+        </a:schemeClr>
+      </a:solidFill>
+      <a:ln w="9525" cap="flat" cmpd="sng" algn="ctr">
+        <a:solidFill>
+          <a:schemeClr val="tx1">
+            <a:lumMod val="65000"/>
+            <a:lumOff val="35000"/>
+          </a:schemeClr>
+        </a:solidFill>
+        <a:round/>
+      </a:ln>
+    </cs:spPr>
+  </cs:downBar>
+  <cs:dropLine>
+    <cs:lnRef idx="0"/>
+    <cs:fillRef idx="0"/>
+    <cs:effectRef idx="0"/>
+    <cs:fontRef idx="minor">
+      <a:schemeClr val="tx1"/>
+    </cs:fontRef>
+    <cs:spPr>
+      <a:ln w="9525" cap="flat" cmpd="sng" algn="ctr">
+        <a:solidFill>
+          <a:schemeClr val="tx1">
+            <a:lumMod val="35000"/>
+            <a:lumOff val="65000"/>
+          </a:schemeClr>
+        </a:solidFill>
+        <a:round/>
+      </a:ln>
+    </cs:spPr>
+  </cs:dropLine>
+  <cs:errorBar>
+    <cs:lnRef idx="0"/>
+    <cs:fillRef idx="0"/>
+    <cs:effectRef idx="0"/>
+    <cs:fontRef idx="minor">
+      <a:schemeClr val="tx1"/>
+    </cs:fontRef>
+    <cs:spPr>
+      <a:ln w="9525" cap="flat" cmpd="sng" algn="ctr">
+        <a:solidFill>
+          <a:schemeClr val="tx1">
+            <a:lumMod val="65000"/>
+            <a:lumOff val="35000"/>
+          </a:schemeClr>
+        </a:solidFill>
+        <a:round/>
+      </a:ln>
+    </cs:spPr>
+  </cs:errorBar>
+  <cs:floor>
+    <cs:lnRef idx="0"/>
+    <cs:fillRef idx="0"/>
+    <cs:effectRef idx="0"/>
+    <cs:fontRef idx="minor">
+      <a:schemeClr val="tx1"/>
+    </cs:fontRef>
+    <cs:spPr>
+      <a:noFill/>
+      <a:ln>
+        <a:noFill/>
+      </a:ln>
+    </cs:spPr>
+  </cs:floor>
+  <cs:gridlineMajor>
+    <cs:lnRef idx="0"/>
+    <cs:fillRef idx="0"/>
+    <cs:effectRef idx="0"/>
+    <cs:fontRef idx="minor">
+      <a:schemeClr val="tx1"/>
+    </cs:fontRef>
+    <cs:spPr>
+      <a:ln w="9525" cap="flat" cmpd="sng" algn="ctr">
+        <a:solidFill>
+          <a:schemeClr val="tx1">
+            <a:lumMod val="15000"/>
+            <a:lumOff val="85000"/>
+          </a:schemeClr>
+        </a:solidFill>
+        <a:round/>
+      </a:ln>
+    </cs:spPr>
+  </cs:gridlineMajor>
+  <cs:gridlineMinor>
+    <cs:lnRef idx="0"/>
+    <cs:fillRef idx="0"/>
+    <cs:effectRef idx="0"/>
+    <cs:fontRef idx="minor">
+      <a:schemeClr val="tx1"/>
+    </cs:fontRef>
+    <cs:spPr>
+      <a:ln w="9525" cap="flat" cmpd="sng" algn="ctr">
+        <a:solidFill>
+          <a:schemeClr val="tx1">
+            <a:lumMod val="5000"/>
+            <a:lumOff val="95000"/>
+          </a:schemeClr>
+        </a:solidFill>
+        <a:round/>
+      </a:ln>
+    </cs:spPr>
+  </cs:gridlineMinor>
+  <cs:hiLoLine>
+    <cs:lnRef idx="0"/>
+    <cs:fillRef idx="0"/>
+    <cs:effectRef idx="0"/>
+    <cs:fontRef idx="minor">
+      <a:schemeClr val="tx1"/>
+    </cs:fontRef>
+    <cs:spPr>
+      <a:ln w="9525" cap="flat" cmpd="sng" algn="ctr">
+        <a:solidFill>
+          <a:schemeClr val="tx1">
+            <a:lumMod val="50000"/>
+            <a:lumOff val="50000"/>
+          </a:schemeClr>
+        </a:solidFill>
+        <a:round/>
+      </a:ln>
+    </cs:spPr>
+  </cs:hiLoLine>
+  <cs:leaderLine>
+    <cs:lnRef idx="0"/>
+    <cs:fillRef idx="0"/>
+    <cs:effectRef idx="0"/>
+    <cs:fontRef idx="minor">
+      <a:schemeClr val="tx1"/>
+    </cs:fontRef>
+    <cs:spPr>
+      <a:ln w="9525" cap="flat" cmpd="sng" algn="ctr">
+        <a:solidFill>
+          <a:schemeClr val="tx1">
+            <a:lumMod val="35000"/>
+            <a:lumOff val="65000"/>
+          </a:schemeClr>
+        </a:solidFill>
+        <a:round/>
+      </a:ln>
+    </cs:spPr>
+  </cs:leaderLine>
+  <cs:legend>
+    <cs:lnRef idx="0"/>
+    <cs:fillRef idx="0"/>
+    <cs:effectRef idx="0"/>
+    <cs:fontRef idx="minor">
+      <a:schemeClr val="tx1">
+        <a:lumMod val="65000"/>
+        <a:lumOff val="35000"/>
+      </a:schemeClr>
+    </cs:fontRef>
+    <cs:defRPr sz="1197" kern="1200"/>
+  </cs:legend>
+  <cs:plotArea mods="allowNoFillOverride allowNoLineOverride">
+    <cs:lnRef idx="0"/>
+    <cs:fillRef idx="0"/>
+    <cs:effectRef idx="0"/>
+    <cs:fontRef idx="minor">
+      <a:schemeClr val="tx1"/>
+    </cs:fontRef>
+  </cs:plotArea>
+  <cs:plotArea3D mods="allowNoFillOverride allowNoLineOverride">
+    <cs:lnRef idx="0"/>
+    <cs:fillRef idx="0"/>
+    <cs:effectRef idx="0"/>
+    <cs:fontRef idx="minor">
+      <a:schemeClr val="tx1"/>
+    </cs:fontRef>
+  </cs:plotArea3D>
+  <cs:seriesAxis>
+    <cs:lnRef idx="0"/>
+    <cs:fillRef idx="0"/>
+    <cs:effectRef idx="0"/>
+    <cs:fontRef idx="minor">
+      <a:schemeClr val="tx1">
+        <a:lumMod val="65000"/>
+        <a:lumOff val="35000"/>
+      </a:schemeClr>
+    </cs:fontRef>
+    <cs:defRPr sz="1197" kern="1200"/>
+  </cs:seriesAxis>
+  <cs:seriesLine>
+    <cs:lnRef idx="0"/>
+    <cs:fillRef idx="0"/>
+    <cs:effectRef idx="0"/>
+    <cs:fontRef idx="minor">
+      <a:schemeClr val="tx1"/>
+    </cs:fontRef>
+    <cs:spPr>
+      <a:ln w="9525" cap="flat" cmpd="sng" algn="ctr">
+        <a:solidFill>
+          <a:schemeClr val="tx1">
+            <a:lumMod val="35000"/>
+            <a:lumOff val="65000"/>
+          </a:schemeClr>
+        </a:solidFill>
+        <a:round/>
+      </a:ln>
+    </cs:spPr>
+  </cs:seriesLine>
+  <cs:title>
+    <cs:lnRef idx="0"/>
+    <cs:fillRef idx="0"/>
+    <cs:effectRef idx="0"/>
+    <cs:fontRef idx="minor">
+      <a:schemeClr val="tx1">
+        <a:lumMod val="65000"/>
+        <a:lumOff val="35000"/>
+      </a:schemeClr>
+    </cs:fontRef>
+    <cs:defRPr sz="1862" b="0" kern="1200" spc="0" baseline="0"/>
+  </cs:title>
+  <cs:trendline>
+    <cs:lnRef idx="0">
+      <cs:styleClr val="auto"/>
+    </cs:lnRef>
+    <cs:fillRef idx="0"/>
+    <cs:effectRef idx="0"/>
+    <cs:fontRef idx="minor">
+      <a:schemeClr val="tx1"/>
+    </cs:fontRef>
+    <cs:spPr>
+      <a:ln w="19050" cap="rnd">
+        <a:solidFill>
+          <a:schemeClr val="phClr"/>
+        </a:solidFill>
+        <a:prstDash val="sysDot"/>
+      </a:ln>
+    </cs:spPr>
+  </cs:trendline>
+  <cs:trendlineLabel>
+    <cs:lnRef idx="0"/>
+    <cs:fillRef idx="0"/>
+    <cs:effectRef idx="0"/>
+    <cs:fontRef idx="minor">
+      <a:schemeClr val="tx1">
+        <a:lumMod val="65000"/>
+        <a:lumOff val="35000"/>
+      </a:schemeClr>
+    </cs:fontRef>
+    <cs:defRPr sz="1197" kern="1200"/>
+  </cs:trendlineLabel>
+  <cs:upBar>
+    <cs:lnRef idx="0"/>
+    <cs:fillRef idx="0"/>
+    <cs:effectRef idx="0"/>
+    <cs:fontRef idx="minor">
+      <a:schemeClr val="tx1"/>
+    </cs:fontRef>
+    <cs:spPr>
+      <a:solidFill>
+        <a:schemeClr val="lt1"/>
+      </a:solidFill>
+      <a:ln w="9525" cap="flat" cmpd="sng" algn="ctr">
+        <a:solidFill>
+          <a:schemeClr val="tx1">
+            <a:lumMod val="65000"/>
+            <a:lumOff val="35000"/>
+          </a:schemeClr>
+        </a:solidFill>
+        <a:round/>
+      </a:ln>
+    </cs:spPr>
+  </cs:upBar>
+  <cs:valueAxis>
+    <cs:lnRef idx="0"/>
+    <cs:fillRef idx="0"/>
+    <cs:effectRef idx="0"/>
+    <cs:fontRef idx="minor">
+      <a:schemeClr val="tx1">
+        <a:lumMod val="65000"/>
+        <a:lumOff val="35000"/>
+      </a:schemeClr>
+    </cs:fontRef>
+    <cs:defRPr sz="1197" kern="1200"/>
+  </cs:valueAxis>
+  <cs:wall>
+    <cs:lnRef idx="0"/>
+    <cs:fillRef idx="0"/>
+    <cs:effectRef idx="0"/>
+    <cs:fontRef idx="minor">
+      <a:schemeClr val="tx1"/>
+    </cs:fontRef>
+    <cs:spPr>
+      <a:noFill/>
+      <a:ln>
+        <a:noFill/>
+      </a:ln>
+    </cs:spPr>
+  </cs:wall>
+</cs:chartStyle>
+</file>
+
 <file path=ppt/slideLayouts/slideLayout1.xml><?xml version="1.0" encoding="utf-8"?>
 <p:sldLayout xmlns:a="http://schemas.openxmlformats.org/drawingml/2006/main" xmlns:r="http://schemas.openxmlformats.org/officeDocument/2006/relationships" xmlns:p="http://schemas.openxmlformats.org/presentationml/2006/main" type="title" preserve="1">
   <p:cSld name="Címdia">
@@ -248,7 +1327,7 @@
           <a:p>
             <a:fld id="{63F810B6-FA9B-405C-88BA-B8ABB46C2715}" type="datetimeFigureOut">
               <a:rPr lang="hu-HU" smtClean="0"/>
-              <a:t>2022.09.15.</a:t>
+              <a:t>2022.09.19.</a:t>
             </a:fld>
             <a:endParaRPr lang="hu-HU"/>
           </a:p>
@@ -418,7 +1497,7 @@
           <a:p>
             <a:fld id="{63F810B6-FA9B-405C-88BA-B8ABB46C2715}" type="datetimeFigureOut">
               <a:rPr lang="hu-HU" smtClean="0"/>
-              <a:t>2022.09.15.</a:t>
+              <a:t>2022.09.19.</a:t>
             </a:fld>
             <a:endParaRPr lang="hu-HU"/>
           </a:p>
@@ -598,7 +1677,7 @@
           <a:p>
             <a:fld id="{63F810B6-FA9B-405C-88BA-B8ABB46C2715}" type="datetimeFigureOut">
               <a:rPr lang="hu-HU" smtClean="0"/>
-              <a:t>2022.09.15.</a:t>
+              <a:t>2022.09.19.</a:t>
             </a:fld>
             <a:endParaRPr lang="hu-HU"/>
           </a:p>
@@ -768,7 +1847,7 @@
           <a:p>
             <a:fld id="{63F810B6-FA9B-405C-88BA-B8ABB46C2715}" type="datetimeFigureOut">
               <a:rPr lang="hu-HU" smtClean="0"/>
-              <a:t>2022.09.15.</a:t>
+              <a:t>2022.09.19.</a:t>
             </a:fld>
             <a:endParaRPr lang="hu-HU"/>
           </a:p>
@@ -1014,7 +2093,7 @@
           <a:p>
             <a:fld id="{63F810B6-FA9B-405C-88BA-B8ABB46C2715}" type="datetimeFigureOut">
               <a:rPr lang="hu-HU" smtClean="0"/>
-              <a:t>2022.09.15.</a:t>
+              <a:t>2022.09.19.</a:t>
             </a:fld>
             <a:endParaRPr lang="hu-HU"/>
           </a:p>
@@ -1246,7 +2325,7 @@
           <a:p>
             <a:fld id="{63F810B6-FA9B-405C-88BA-B8ABB46C2715}" type="datetimeFigureOut">
               <a:rPr lang="hu-HU" smtClean="0"/>
-              <a:t>2022.09.15.</a:t>
+              <a:t>2022.09.19.</a:t>
             </a:fld>
             <a:endParaRPr lang="hu-HU"/>
           </a:p>
@@ -1613,7 +2692,7 @@
           <a:p>
             <a:fld id="{63F810B6-FA9B-405C-88BA-B8ABB46C2715}" type="datetimeFigureOut">
               <a:rPr lang="hu-HU" smtClean="0"/>
-              <a:t>2022.09.15.</a:t>
+              <a:t>2022.09.19.</a:t>
             </a:fld>
             <a:endParaRPr lang="hu-HU"/>
           </a:p>
@@ -1731,7 +2810,7 @@
           <a:p>
             <a:fld id="{63F810B6-FA9B-405C-88BA-B8ABB46C2715}" type="datetimeFigureOut">
               <a:rPr lang="hu-HU" smtClean="0"/>
-              <a:t>2022.09.15.</a:t>
+              <a:t>2022.09.19.</a:t>
             </a:fld>
             <a:endParaRPr lang="hu-HU"/>
           </a:p>
@@ -1826,7 +2905,7 @@
           <a:p>
             <a:fld id="{63F810B6-FA9B-405C-88BA-B8ABB46C2715}" type="datetimeFigureOut">
               <a:rPr lang="hu-HU" smtClean="0"/>
-              <a:t>2022.09.15.</a:t>
+              <a:t>2022.09.19.</a:t>
             </a:fld>
             <a:endParaRPr lang="hu-HU"/>
           </a:p>
@@ -2103,7 +3182,7 @@
           <a:p>
             <a:fld id="{63F810B6-FA9B-405C-88BA-B8ABB46C2715}" type="datetimeFigureOut">
               <a:rPr lang="hu-HU" smtClean="0"/>
-              <a:t>2022.09.15.</a:t>
+              <a:t>2022.09.19.</a:t>
             </a:fld>
             <a:endParaRPr lang="hu-HU"/>
           </a:p>
@@ -2360,7 +3439,7 @@
           <a:p>
             <a:fld id="{63F810B6-FA9B-405C-88BA-B8ABB46C2715}" type="datetimeFigureOut">
               <a:rPr lang="hu-HU" smtClean="0"/>
-              <a:t>2022.09.15.</a:t>
+              <a:t>2022.09.19.</a:t>
             </a:fld>
             <a:endParaRPr lang="hu-HU"/>
           </a:p>
@@ -2573,7 +3652,7 @@
           <a:p>
             <a:fld id="{63F810B6-FA9B-405C-88BA-B8ABB46C2715}" type="datetimeFigureOut">
               <a:rPr lang="hu-HU" smtClean="0"/>
-              <a:t>2022.09.15.</a:t>
+              <a:t>2022.09.19.</a:t>
             </a:fld>
             <a:endParaRPr lang="hu-HU"/>
           </a:p>
@@ -2966,9 +4045,15 @@
   <p:cSld>
     <p:bg>
       <p:bgPr>
-        <a:solidFill>
-          <a:srgbClr val="6D6875"/>
-        </a:solidFill>
+        <a:blipFill dpi="0" rotWithShape="1">
+          <a:blip r:embed="rId2">
+            <a:lum/>
+          </a:blip>
+          <a:srcRect/>
+          <a:stretch>
+            <a:fillRect/>
+          </a:stretch>
+        </a:blipFill>
         <a:effectLst/>
       </p:bgPr>
     </p:bg>
@@ -2986,36 +4071,6 @@
           <a:chExt cx="0" cy="0"/>
         </a:xfrm>
       </p:grpSpPr>
-      <p:pic>
-        <p:nvPicPr>
-          <p:cNvPr id="7" name="Kép 6"/>
-          <p:cNvPicPr>
-            <a:picLocks noChangeAspect="1"/>
-          </p:cNvPicPr>
-          <p:nvPr/>
-        </p:nvPicPr>
-        <p:blipFill>
-          <a:blip r:embed="rId2">
-            <a:extLst>
-              <a:ext uri="{28A0092B-C50C-407E-A947-70E740481C1C}">
-                <a14:useLocalDpi xmlns:a14="http://schemas.microsoft.com/office/drawing/2010/main" val="0"/>
-              </a:ext>
-            </a:extLst>
-          </a:blip>
-          <a:stretch>
-            <a:fillRect/>
-          </a:stretch>
-        </p:blipFill>
-        <p:spPr>
-          <a:xfrm>
-            <a:off x="0" y="4666542"/>
-            <a:ext cx="12192000" cy="4233333"/>
-          </a:xfrm>
-          <a:prstGeom prst="rect">
-            <a:avLst/>
-          </a:prstGeom>
-        </p:spPr>
-      </p:pic>
       <p:pic>
         <p:nvPicPr>
           <p:cNvPr id="1026" name="Picture 2" descr="File:Rust programming language black logo.svg - Wikimedia ..."/>
@@ -3227,11 +4282,6 @@
               </a:rPr>
               <a:t>Fordított</a:t>
             </a:r>
-            <a:endParaRPr lang="hu-HU" sz="3600" dirty="0" smtClean="0">
-              <a:solidFill>
-                <a:schemeClr val="bg1"/>
-              </a:solidFill>
-            </a:endParaRPr>
           </a:p>
           <a:p>
             <a:r>
@@ -3258,15 +4308,7 @@
                   <a:schemeClr val="bg1"/>
                 </a:solidFill>
               </a:rPr>
-              <a:t>stabil és </a:t>
-            </a:r>
-            <a:r>
-              <a:rPr lang="hu-HU" sz="3600" i="1" dirty="0" smtClean="0">
-                <a:solidFill>
-                  <a:schemeClr val="bg1"/>
-                </a:solidFill>
-              </a:rPr>
-              <a:t>gyors…</a:t>
+              <a:t>stabil és gyors…</a:t>
             </a:r>
           </a:p>
         </p:txBody>
@@ -3373,7 +4415,12 @@
             <p:ph idx="1"/>
           </p:nvPr>
         </p:nvSpPr>
-        <p:spPr/>
+        <p:spPr>
+          <a:xfrm>
+            <a:off x="408741" y="2227560"/>
+            <a:ext cx="4765992" cy="2969399"/>
+          </a:xfrm>
+        </p:spPr>
         <p:txBody>
           <a:bodyPr>
             <a:normAutofit/>
@@ -3451,8 +4498,47 @@
               </a:rPr>
               <a:t>ékprojekt</a:t>
             </a:r>
-          </a:p>
-          <a:p>
+            <a:endParaRPr lang="en-US" sz="3600" dirty="0" smtClean="0">
+              <a:solidFill>
+                <a:schemeClr val="bg1"/>
+              </a:solidFill>
+            </a:endParaRPr>
+          </a:p>
+          <a:p>
+            <a:r>
+              <a:rPr lang="en-US" sz="3600" dirty="0" err="1" smtClean="0">
+                <a:solidFill>
+                  <a:schemeClr val="bg1"/>
+                </a:solidFill>
+              </a:rPr>
+              <a:t>Biztons</a:t>
+            </a:r>
+            <a:r>
+              <a:rPr lang="hu-HU" sz="3600" dirty="0" err="1" smtClean="0">
+                <a:solidFill>
+                  <a:schemeClr val="bg1"/>
+                </a:solidFill>
+              </a:rPr>
+              <a:t>ágos</a:t>
+            </a:r>
+            <a:r>
+              <a:rPr lang="hu-HU" sz="3600" dirty="0" smtClean="0">
+                <a:solidFill>
+                  <a:schemeClr val="bg1"/>
+                </a:solidFill>
+              </a:rPr>
+              <a:t> nyelv kell</a:t>
+            </a:r>
+          </a:p>
+          <a:p>
+            <a:r>
+              <a:rPr lang="en-US" sz="3600" dirty="0" smtClean="0">
+                <a:solidFill>
+                  <a:schemeClr val="bg1"/>
+                </a:solidFill>
+              </a:rPr>
+              <a:t>[2009] </a:t>
+            </a:r>
             <a:r>
               <a:rPr lang="hu-HU" sz="3600" dirty="0" err="1" smtClean="0">
                 <a:solidFill>
@@ -3462,18 +4548,21 @@
               <a:t>Mozilla</a:t>
             </a:r>
             <a:r>
-              <a:rPr lang="hu-HU" sz="3600" smtClean="0">
+              <a:rPr lang="hu-HU" sz="3600" dirty="0" smtClean="0">
                 <a:solidFill>
                   <a:schemeClr val="bg1"/>
                 </a:solidFill>
               </a:rPr>
-              <a:t> szponzor</a:t>
-            </a:r>
-            <a:endParaRPr lang="hu-HU" sz="3600" dirty="0" smtClean="0">
-              <a:solidFill>
-                <a:schemeClr val="bg1"/>
-              </a:solidFill>
-            </a:endParaRPr>
+              <a:t> </a:t>
+            </a:r>
+            <a:r>
+              <a:rPr lang="hu-HU" sz="3600" dirty="0" smtClean="0">
+                <a:solidFill>
+                  <a:schemeClr val="bg1"/>
+                </a:solidFill>
+              </a:rPr>
+              <a:t>szponzor</a:t>
+            </a:r>
           </a:p>
         </p:txBody>
       </p:sp>
@@ -3499,7 +4588,7 @@
         </p:blipFill>
         <p:spPr>
           <a:xfrm>
-            <a:off x="5604192" y="1476933"/>
+            <a:off x="5735268" y="2227560"/>
             <a:ext cx="6116229" cy="2734993"/>
           </a:xfrm>
           <a:prstGeom prst="rect">
@@ -3542,9 +4631,15 @@
   <p:cSld>
     <p:bg>
       <p:bgPr>
-        <a:solidFill>
-          <a:srgbClr val="6D6875"/>
-        </a:solidFill>
+        <a:blipFill dpi="0" rotWithShape="1">
+          <a:blip r:embed="rId2">
+            <a:lum/>
+          </a:blip>
+          <a:srcRect/>
+          <a:stretch>
+            <a:fillRect/>
+          </a:stretch>
+        </a:blipFill>
         <a:effectLst/>
       </p:bgPr>
     </p:bg>
@@ -3562,6 +4657,28 @@
           <a:chExt cx="0" cy="0"/>
         </a:xfrm>
       </p:grpSpPr>
+      <p:graphicFrame>
+        <p:nvGraphicFramePr>
+          <p:cNvPr id="4" name="Diagram 3"/>
+          <p:cNvGraphicFramePr/>
+          <p:nvPr>
+            <p:extLst>
+              <p:ext uri="{D42A27DB-BD31-4B8C-83A1-F6EECF244321}">
+                <p14:modId xmlns:p14="http://schemas.microsoft.com/office/powerpoint/2010/main" val="930408587"/>
+              </p:ext>
+            </p:extLst>
+          </p:nvPr>
+        </p:nvGraphicFramePr>
+        <p:xfrm>
+          <a:off x="851264" y="544079"/>
+          <a:ext cx="10288859" cy="5787483"/>
+        </p:xfrm>
+        <a:graphic>
+          <a:graphicData uri="http://schemas.openxmlformats.org/drawingml/2006/chart">
+            <c:chart xmlns:c="http://schemas.openxmlformats.org/drawingml/2006/chart" xmlns:r="http://schemas.openxmlformats.org/officeDocument/2006/relationships" r:id="rId3"/>
+          </a:graphicData>
+        </a:graphic>
+      </p:graphicFrame>
     </p:spTree>
     <p:extLst>
       <p:ext uri="{BB962C8B-B14F-4D97-AF65-F5344CB8AC3E}">
@@ -3572,6 +4689,13 @@
   <p:clrMapOvr>
     <a:masterClrMapping/>
   </p:clrMapOvr>
+  <p:timing>
+    <p:tnLst>
+      <p:par>
+        <p:cTn id="1" dur="indefinite" restart="never" nodeType="tmRoot"/>
+      </p:par>
+    </p:tnLst>
+  </p:timing>
 </p:sld>
 </file>
 
@@ -3600,6 +4724,62 @@
           <a:chExt cx="0" cy="0"/>
         </a:xfrm>
       </p:grpSpPr>
+      <p:sp>
+        <p:nvSpPr>
+          <p:cNvPr id="2" name="Cím 1"/>
+          <p:cNvSpPr>
+            <a:spLocks noGrp="1"/>
+          </p:cNvSpPr>
+          <p:nvPr>
+            <p:ph type="title"/>
+          </p:nvPr>
+        </p:nvSpPr>
+        <p:spPr/>
+        <p:txBody>
+          <a:bodyPr/>
+          <a:lstStyle/>
+          <a:p>
+            <a:r>
+              <a:rPr lang="hu-HU" b="1" dirty="0" smtClean="0">
+                <a:solidFill>
+                  <a:schemeClr val="bg1"/>
+                </a:solidFill>
+                <a:latin typeface="+mn-lt"/>
+              </a:rPr>
+              <a:t>Miben más?</a:t>
+            </a:r>
+            <a:endParaRPr lang="hu-HU" b="1" dirty="0">
+              <a:solidFill>
+                <a:schemeClr val="bg1"/>
+              </a:solidFill>
+              <a:latin typeface="+mn-lt"/>
+            </a:endParaRPr>
+          </a:p>
+        </p:txBody>
+      </p:sp>
+      <p:sp>
+        <p:nvSpPr>
+          <p:cNvPr id="4" name="Tartalom helye 3"/>
+          <p:cNvSpPr>
+            <a:spLocks noGrp="1"/>
+          </p:cNvSpPr>
+          <p:nvPr>
+            <p:ph idx="1"/>
+          </p:nvPr>
+        </p:nvSpPr>
+        <p:spPr/>
+        <p:txBody>
+          <a:bodyPr/>
+          <a:lstStyle/>
+          <a:p>
+            <a:endParaRPr lang="hu-HU" dirty="0">
+              <a:solidFill>
+                <a:schemeClr val="bg1"/>
+              </a:solidFill>
+            </a:endParaRPr>
+          </a:p>
+        </p:txBody>
+      </p:sp>
     </p:spTree>
     <p:extLst>
       <p:ext uri="{BB962C8B-B14F-4D97-AF65-F5344CB8AC3E}">
@@ -3610,6 +4790,13 @@
   <p:clrMapOvr>
     <a:masterClrMapping/>
   </p:clrMapOvr>
+  <p:timing>
+    <p:tnLst>
+      <p:par>
+        <p:cTn id="1" dur="indefinite" restart="never" nodeType="tmRoot"/>
+      </p:par>
+    </p:tnLst>
+  </p:timing>
 </p:sld>
 </file>
 
